--- a/pptx/Session7_8_9.pptx
+++ b/pptx/Session7_8_9.pptx
@@ -1,6 +1,6 @@
 
 <file path=ppt/presentation.xml><?xml version="1.0" encoding="utf-8"?>
-<p:presentation xmlns:a="http://schemas.openxmlformats.org/drawingml/2006/main" xmlns:r="http://schemas.openxmlformats.org/officeDocument/2006/relationships" xmlns:p="http://schemas.openxmlformats.org/presentationml/2006/main" saveSubsetFonts="1">
+<p:presentation xmlns:a="http://schemas.openxmlformats.org/drawingml/2006/main" xmlns:r="http://schemas.openxmlformats.org/officeDocument/2006/relationships" xmlns:p="http://schemas.openxmlformats.org/presentationml/2006/main" serverZoom="22497" saveSubsetFonts="1">
   <p:sldMasterIdLst>
     <p:sldMasterId id="2147483648" r:id="rId1"/>
   </p:sldMasterIdLst>
@@ -143,7 +143,7 @@
           <p:cNvPr id="2" name="Title 1">
             <a:extLst>
               <a:ext uri="{FF2B5EF4-FFF2-40B4-BE49-F238E27FC236}">
-                <a16:creationId xmlns:a16="http://schemas.microsoft.com/office/drawing/2014/main" id="{692E2468-8227-4BED-94D6-DC2E41BD6FEF}"/>
+                <a16:creationId xmlns:a16="http://schemas.microsoft.com/office/drawing/2014/main" xmlns="" id="{692E2468-8227-4BED-94D6-DC2E41BD6FEF}"/>
               </a:ext>
             </a:extLst>
           </p:cNvPr>
@@ -181,7 +181,7 @@
           <p:cNvPr id="3" name="Subtitle 2">
             <a:extLst>
               <a:ext uri="{FF2B5EF4-FFF2-40B4-BE49-F238E27FC236}">
-                <a16:creationId xmlns:a16="http://schemas.microsoft.com/office/drawing/2014/main" id="{B267B28E-5819-4055-8F99-694D5AD3FE1D}"/>
+                <a16:creationId xmlns:a16="http://schemas.microsoft.com/office/drawing/2014/main" xmlns="" id="{B267B28E-5819-4055-8F99-694D5AD3FE1D}"/>
               </a:ext>
             </a:extLst>
           </p:cNvPr>
@@ -252,7 +252,7 @@
           <p:cNvPr id="4" name="Date Placeholder 3">
             <a:extLst>
               <a:ext uri="{FF2B5EF4-FFF2-40B4-BE49-F238E27FC236}">
-                <a16:creationId xmlns:a16="http://schemas.microsoft.com/office/drawing/2014/main" id="{AD4847D3-63D5-42B2-8BE2-8DB3AA660CE4}"/>
+                <a16:creationId xmlns:a16="http://schemas.microsoft.com/office/drawing/2014/main" xmlns="" id="{AD4847D3-63D5-42B2-8BE2-8DB3AA660CE4}"/>
               </a:ext>
             </a:extLst>
           </p:cNvPr>
@@ -270,7 +270,7 @@
           <a:p>
             <a:fld id="{13FA0CF0-647E-4FC8-A34C-2138768E0C89}" type="datetimeFigureOut">
               <a:rPr lang="en-IN" smtClean="0"/>
-              <a:t>17-04-2020</a:t>
+              <a:t>20-04-2020</a:t>
             </a:fld>
             <a:endParaRPr lang="en-IN"/>
           </a:p>
@@ -281,7 +281,7 @@
           <p:cNvPr id="5" name="Footer Placeholder 4">
             <a:extLst>
               <a:ext uri="{FF2B5EF4-FFF2-40B4-BE49-F238E27FC236}">
-                <a16:creationId xmlns:a16="http://schemas.microsoft.com/office/drawing/2014/main" id="{CA832749-03EC-4D50-A0E1-2FCC66895D02}"/>
+                <a16:creationId xmlns:a16="http://schemas.microsoft.com/office/drawing/2014/main" xmlns="" id="{CA832749-03EC-4D50-A0E1-2FCC66895D02}"/>
               </a:ext>
             </a:extLst>
           </p:cNvPr>
@@ -306,7 +306,7 @@
           <p:cNvPr id="6" name="Slide Number Placeholder 5">
             <a:extLst>
               <a:ext uri="{FF2B5EF4-FFF2-40B4-BE49-F238E27FC236}">
-                <a16:creationId xmlns:a16="http://schemas.microsoft.com/office/drawing/2014/main" id="{DBB0B7F3-8697-40DD-8F35-3DF29936476D}"/>
+                <a16:creationId xmlns:a16="http://schemas.microsoft.com/office/drawing/2014/main" xmlns="" id="{DBB0B7F3-8697-40DD-8F35-3DF29936476D}"/>
               </a:ext>
             </a:extLst>
           </p:cNvPr>
@@ -365,7 +365,7 @@
           <p:cNvPr id="2" name="Title 1">
             <a:extLst>
               <a:ext uri="{FF2B5EF4-FFF2-40B4-BE49-F238E27FC236}">
-                <a16:creationId xmlns:a16="http://schemas.microsoft.com/office/drawing/2014/main" id="{DAF40DB9-17AA-4EFD-A86E-6447EBE6020C}"/>
+                <a16:creationId xmlns:a16="http://schemas.microsoft.com/office/drawing/2014/main" xmlns="" id="{DAF40DB9-17AA-4EFD-A86E-6447EBE6020C}"/>
               </a:ext>
             </a:extLst>
           </p:cNvPr>
@@ -394,7 +394,7 @@
           <p:cNvPr id="3" name="Vertical Text Placeholder 2">
             <a:extLst>
               <a:ext uri="{FF2B5EF4-FFF2-40B4-BE49-F238E27FC236}">
-                <a16:creationId xmlns:a16="http://schemas.microsoft.com/office/drawing/2014/main" id="{4905C153-CB74-44F6-8F0D-80EB956D077B}"/>
+                <a16:creationId xmlns:a16="http://schemas.microsoft.com/office/drawing/2014/main" xmlns="" id="{4905C153-CB74-44F6-8F0D-80EB956D077B}"/>
               </a:ext>
             </a:extLst>
           </p:cNvPr>
@@ -452,7 +452,7 @@
           <p:cNvPr id="4" name="Date Placeholder 3">
             <a:extLst>
               <a:ext uri="{FF2B5EF4-FFF2-40B4-BE49-F238E27FC236}">
-                <a16:creationId xmlns:a16="http://schemas.microsoft.com/office/drawing/2014/main" id="{84372E63-1F6D-4696-B91E-6A390A8C5B15}"/>
+                <a16:creationId xmlns:a16="http://schemas.microsoft.com/office/drawing/2014/main" xmlns="" id="{84372E63-1F6D-4696-B91E-6A390A8C5B15}"/>
               </a:ext>
             </a:extLst>
           </p:cNvPr>
@@ -470,7 +470,7 @@
           <a:p>
             <a:fld id="{13FA0CF0-647E-4FC8-A34C-2138768E0C89}" type="datetimeFigureOut">
               <a:rPr lang="en-IN" smtClean="0"/>
-              <a:t>17-04-2020</a:t>
+              <a:t>20-04-2020</a:t>
             </a:fld>
             <a:endParaRPr lang="en-IN"/>
           </a:p>
@@ -481,7 +481,7 @@
           <p:cNvPr id="5" name="Footer Placeholder 4">
             <a:extLst>
               <a:ext uri="{FF2B5EF4-FFF2-40B4-BE49-F238E27FC236}">
-                <a16:creationId xmlns:a16="http://schemas.microsoft.com/office/drawing/2014/main" id="{0AEC17D7-02D5-4F5B-A22C-A59D9FE487BC}"/>
+                <a16:creationId xmlns:a16="http://schemas.microsoft.com/office/drawing/2014/main" xmlns="" id="{0AEC17D7-02D5-4F5B-A22C-A59D9FE487BC}"/>
               </a:ext>
             </a:extLst>
           </p:cNvPr>
@@ -506,7 +506,7 @@
           <p:cNvPr id="6" name="Slide Number Placeholder 5">
             <a:extLst>
               <a:ext uri="{FF2B5EF4-FFF2-40B4-BE49-F238E27FC236}">
-                <a16:creationId xmlns:a16="http://schemas.microsoft.com/office/drawing/2014/main" id="{DA4CC84F-62E7-4263-9BAB-E8D8166CF04F}"/>
+                <a16:creationId xmlns:a16="http://schemas.microsoft.com/office/drawing/2014/main" xmlns="" id="{DA4CC84F-62E7-4263-9BAB-E8D8166CF04F}"/>
               </a:ext>
             </a:extLst>
           </p:cNvPr>
@@ -565,7 +565,7 @@
           <p:cNvPr id="2" name="Vertical Title 1">
             <a:extLst>
               <a:ext uri="{FF2B5EF4-FFF2-40B4-BE49-F238E27FC236}">
-                <a16:creationId xmlns:a16="http://schemas.microsoft.com/office/drawing/2014/main" id="{802242D4-04C3-4677-95A4-B1AFE07114B7}"/>
+                <a16:creationId xmlns:a16="http://schemas.microsoft.com/office/drawing/2014/main" xmlns="" id="{802242D4-04C3-4677-95A4-B1AFE07114B7}"/>
               </a:ext>
             </a:extLst>
           </p:cNvPr>
@@ -599,7 +599,7 @@
           <p:cNvPr id="3" name="Vertical Text Placeholder 2">
             <a:extLst>
               <a:ext uri="{FF2B5EF4-FFF2-40B4-BE49-F238E27FC236}">
-                <a16:creationId xmlns:a16="http://schemas.microsoft.com/office/drawing/2014/main" id="{E18F95AC-9A13-4242-AEFC-8C4C53FC2566}"/>
+                <a16:creationId xmlns:a16="http://schemas.microsoft.com/office/drawing/2014/main" xmlns="" id="{E18F95AC-9A13-4242-AEFC-8C4C53FC2566}"/>
               </a:ext>
             </a:extLst>
           </p:cNvPr>
@@ -662,7 +662,7 @@
           <p:cNvPr id="4" name="Date Placeholder 3">
             <a:extLst>
               <a:ext uri="{FF2B5EF4-FFF2-40B4-BE49-F238E27FC236}">
-                <a16:creationId xmlns:a16="http://schemas.microsoft.com/office/drawing/2014/main" id="{E416C94A-CC1E-4213-A2AD-8115F4123B30}"/>
+                <a16:creationId xmlns:a16="http://schemas.microsoft.com/office/drawing/2014/main" xmlns="" id="{E416C94A-CC1E-4213-A2AD-8115F4123B30}"/>
               </a:ext>
             </a:extLst>
           </p:cNvPr>
@@ -680,7 +680,7 @@
           <a:p>
             <a:fld id="{13FA0CF0-647E-4FC8-A34C-2138768E0C89}" type="datetimeFigureOut">
               <a:rPr lang="en-IN" smtClean="0"/>
-              <a:t>17-04-2020</a:t>
+              <a:t>20-04-2020</a:t>
             </a:fld>
             <a:endParaRPr lang="en-IN"/>
           </a:p>
@@ -691,7 +691,7 @@
           <p:cNvPr id="5" name="Footer Placeholder 4">
             <a:extLst>
               <a:ext uri="{FF2B5EF4-FFF2-40B4-BE49-F238E27FC236}">
-                <a16:creationId xmlns:a16="http://schemas.microsoft.com/office/drawing/2014/main" id="{C0BA1A47-F066-4D3F-8BF2-50687A6AE58C}"/>
+                <a16:creationId xmlns:a16="http://schemas.microsoft.com/office/drawing/2014/main" xmlns="" id="{C0BA1A47-F066-4D3F-8BF2-50687A6AE58C}"/>
               </a:ext>
             </a:extLst>
           </p:cNvPr>
@@ -716,7 +716,7 @@
           <p:cNvPr id="6" name="Slide Number Placeholder 5">
             <a:extLst>
               <a:ext uri="{FF2B5EF4-FFF2-40B4-BE49-F238E27FC236}">
-                <a16:creationId xmlns:a16="http://schemas.microsoft.com/office/drawing/2014/main" id="{1B46B591-D8E5-4E28-847B-F4AAD907AEC7}"/>
+                <a16:creationId xmlns:a16="http://schemas.microsoft.com/office/drawing/2014/main" xmlns="" id="{1B46B591-D8E5-4E28-847B-F4AAD907AEC7}"/>
               </a:ext>
             </a:extLst>
           </p:cNvPr>
@@ -775,7 +775,7 @@
           <p:cNvPr id="2" name="Title 1">
             <a:extLst>
               <a:ext uri="{FF2B5EF4-FFF2-40B4-BE49-F238E27FC236}">
-                <a16:creationId xmlns:a16="http://schemas.microsoft.com/office/drawing/2014/main" id="{733ADABB-C2A5-4837-9B9B-979D05E62F04}"/>
+                <a16:creationId xmlns:a16="http://schemas.microsoft.com/office/drawing/2014/main" xmlns="" id="{733ADABB-C2A5-4837-9B9B-979D05E62F04}"/>
               </a:ext>
             </a:extLst>
           </p:cNvPr>
@@ -804,7 +804,7 @@
           <p:cNvPr id="3" name="Content Placeholder 2">
             <a:extLst>
               <a:ext uri="{FF2B5EF4-FFF2-40B4-BE49-F238E27FC236}">
-                <a16:creationId xmlns:a16="http://schemas.microsoft.com/office/drawing/2014/main" id="{8FC5D3E4-441F-4C7B-91A3-B527D9C25D9C}"/>
+                <a16:creationId xmlns:a16="http://schemas.microsoft.com/office/drawing/2014/main" xmlns="" id="{8FC5D3E4-441F-4C7B-91A3-B527D9C25D9C}"/>
               </a:ext>
             </a:extLst>
           </p:cNvPr>
@@ -862,7 +862,7 @@
           <p:cNvPr id="4" name="Date Placeholder 3">
             <a:extLst>
               <a:ext uri="{FF2B5EF4-FFF2-40B4-BE49-F238E27FC236}">
-                <a16:creationId xmlns:a16="http://schemas.microsoft.com/office/drawing/2014/main" id="{8F0E7209-AF2A-4BF0-9D6E-E07E5E9F4F51}"/>
+                <a16:creationId xmlns:a16="http://schemas.microsoft.com/office/drawing/2014/main" xmlns="" id="{8F0E7209-AF2A-4BF0-9D6E-E07E5E9F4F51}"/>
               </a:ext>
             </a:extLst>
           </p:cNvPr>
@@ -880,7 +880,7 @@
           <a:p>
             <a:fld id="{13FA0CF0-647E-4FC8-A34C-2138768E0C89}" type="datetimeFigureOut">
               <a:rPr lang="en-IN" smtClean="0"/>
-              <a:t>17-04-2020</a:t>
+              <a:t>20-04-2020</a:t>
             </a:fld>
             <a:endParaRPr lang="en-IN"/>
           </a:p>
@@ -891,7 +891,7 @@
           <p:cNvPr id="5" name="Footer Placeholder 4">
             <a:extLst>
               <a:ext uri="{FF2B5EF4-FFF2-40B4-BE49-F238E27FC236}">
-                <a16:creationId xmlns:a16="http://schemas.microsoft.com/office/drawing/2014/main" id="{2B94097D-7239-46EE-8F16-5301EE5CF6F7}"/>
+                <a16:creationId xmlns:a16="http://schemas.microsoft.com/office/drawing/2014/main" xmlns="" id="{2B94097D-7239-46EE-8F16-5301EE5CF6F7}"/>
               </a:ext>
             </a:extLst>
           </p:cNvPr>
@@ -916,7 +916,7 @@
           <p:cNvPr id="6" name="Slide Number Placeholder 5">
             <a:extLst>
               <a:ext uri="{FF2B5EF4-FFF2-40B4-BE49-F238E27FC236}">
-                <a16:creationId xmlns:a16="http://schemas.microsoft.com/office/drawing/2014/main" id="{AEA417C8-E970-4C6D-9174-607E8F25AB7E}"/>
+                <a16:creationId xmlns:a16="http://schemas.microsoft.com/office/drawing/2014/main" xmlns="" id="{AEA417C8-E970-4C6D-9174-607E8F25AB7E}"/>
               </a:ext>
             </a:extLst>
           </p:cNvPr>
@@ -975,7 +975,7 @@
           <p:cNvPr id="2" name="Title 1">
             <a:extLst>
               <a:ext uri="{FF2B5EF4-FFF2-40B4-BE49-F238E27FC236}">
-                <a16:creationId xmlns:a16="http://schemas.microsoft.com/office/drawing/2014/main" id="{616EF100-6929-42B8-AFAE-9FBC74D533C4}"/>
+                <a16:creationId xmlns:a16="http://schemas.microsoft.com/office/drawing/2014/main" xmlns="" id="{616EF100-6929-42B8-AFAE-9FBC74D533C4}"/>
               </a:ext>
             </a:extLst>
           </p:cNvPr>
@@ -1013,7 +1013,7 @@
           <p:cNvPr id="3" name="Text Placeholder 2">
             <a:extLst>
               <a:ext uri="{FF2B5EF4-FFF2-40B4-BE49-F238E27FC236}">
-                <a16:creationId xmlns:a16="http://schemas.microsoft.com/office/drawing/2014/main" id="{89F7F69D-F89B-4CC3-A6CF-C1F316E76D2C}"/>
+                <a16:creationId xmlns:a16="http://schemas.microsoft.com/office/drawing/2014/main" xmlns="" id="{89F7F69D-F89B-4CC3-A6CF-C1F316E76D2C}"/>
               </a:ext>
             </a:extLst>
           </p:cNvPr>
@@ -1138,7 +1138,7 @@
           <p:cNvPr id="4" name="Date Placeholder 3">
             <a:extLst>
               <a:ext uri="{FF2B5EF4-FFF2-40B4-BE49-F238E27FC236}">
-                <a16:creationId xmlns:a16="http://schemas.microsoft.com/office/drawing/2014/main" id="{F2389ABA-1C56-4E78-84CD-EF912CCDB015}"/>
+                <a16:creationId xmlns:a16="http://schemas.microsoft.com/office/drawing/2014/main" xmlns="" id="{F2389ABA-1C56-4E78-84CD-EF912CCDB015}"/>
               </a:ext>
             </a:extLst>
           </p:cNvPr>
@@ -1156,7 +1156,7 @@
           <a:p>
             <a:fld id="{13FA0CF0-647E-4FC8-A34C-2138768E0C89}" type="datetimeFigureOut">
               <a:rPr lang="en-IN" smtClean="0"/>
-              <a:t>17-04-2020</a:t>
+              <a:t>20-04-2020</a:t>
             </a:fld>
             <a:endParaRPr lang="en-IN"/>
           </a:p>
@@ -1167,7 +1167,7 @@
           <p:cNvPr id="5" name="Footer Placeholder 4">
             <a:extLst>
               <a:ext uri="{FF2B5EF4-FFF2-40B4-BE49-F238E27FC236}">
-                <a16:creationId xmlns:a16="http://schemas.microsoft.com/office/drawing/2014/main" id="{786095B9-0BCF-4310-BDFD-3D16115D4B7F}"/>
+                <a16:creationId xmlns:a16="http://schemas.microsoft.com/office/drawing/2014/main" xmlns="" id="{786095B9-0BCF-4310-BDFD-3D16115D4B7F}"/>
               </a:ext>
             </a:extLst>
           </p:cNvPr>
@@ -1192,7 +1192,7 @@
           <p:cNvPr id="6" name="Slide Number Placeholder 5">
             <a:extLst>
               <a:ext uri="{FF2B5EF4-FFF2-40B4-BE49-F238E27FC236}">
-                <a16:creationId xmlns:a16="http://schemas.microsoft.com/office/drawing/2014/main" id="{59E0B5A0-A444-4D48-BE66-A866C5434303}"/>
+                <a16:creationId xmlns:a16="http://schemas.microsoft.com/office/drawing/2014/main" xmlns="" id="{59E0B5A0-A444-4D48-BE66-A866C5434303}"/>
               </a:ext>
             </a:extLst>
           </p:cNvPr>
@@ -1251,7 +1251,7 @@
           <p:cNvPr id="2" name="Title 1">
             <a:extLst>
               <a:ext uri="{FF2B5EF4-FFF2-40B4-BE49-F238E27FC236}">
-                <a16:creationId xmlns:a16="http://schemas.microsoft.com/office/drawing/2014/main" id="{B7C91D52-BC48-4941-99B0-5294FF37BD13}"/>
+                <a16:creationId xmlns:a16="http://schemas.microsoft.com/office/drawing/2014/main" xmlns="" id="{B7C91D52-BC48-4941-99B0-5294FF37BD13}"/>
               </a:ext>
             </a:extLst>
           </p:cNvPr>
@@ -1280,7 +1280,7 @@
           <p:cNvPr id="3" name="Content Placeholder 2">
             <a:extLst>
               <a:ext uri="{FF2B5EF4-FFF2-40B4-BE49-F238E27FC236}">
-                <a16:creationId xmlns:a16="http://schemas.microsoft.com/office/drawing/2014/main" id="{5B736DB6-BEE6-4DAD-BF89-14C15E6ECB24}"/>
+                <a16:creationId xmlns:a16="http://schemas.microsoft.com/office/drawing/2014/main" xmlns="" id="{5B736DB6-BEE6-4DAD-BF89-14C15E6ECB24}"/>
               </a:ext>
             </a:extLst>
           </p:cNvPr>
@@ -1343,7 +1343,7 @@
           <p:cNvPr id="4" name="Content Placeholder 3">
             <a:extLst>
               <a:ext uri="{FF2B5EF4-FFF2-40B4-BE49-F238E27FC236}">
-                <a16:creationId xmlns:a16="http://schemas.microsoft.com/office/drawing/2014/main" id="{AAFAF6B8-D435-4845-AD2B-80140B687F6C}"/>
+                <a16:creationId xmlns:a16="http://schemas.microsoft.com/office/drawing/2014/main" xmlns="" id="{AAFAF6B8-D435-4845-AD2B-80140B687F6C}"/>
               </a:ext>
             </a:extLst>
           </p:cNvPr>
@@ -1406,7 +1406,7 @@
           <p:cNvPr id="5" name="Date Placeholder 4">
             <a:extLst>
               <a:ext uri="{FF2B5EF4-FFF2-40B4-BE49-F238E27FC236}">
-                <a16:creationId xmlns:a16="http://schemas.microsoft.com/office/drawing/2014/main" id="{56E2C5CF-F325-4D3D-B12E-823B4AA1627B}"/>
+                <a16:creationId xmlns:a16="http://schemas.microsoft.com/office/drawing/2014/main" xmlns="" id="{56E2C5CF-F325-4D3D-B12E-823B4AA1627B}"/>
               </a:ext>
             </a:extLst>
           </p:cNvPr>
@@ -1424,7 +1424,7 @@
           <a:p>
             <a:fld id="{13FA0CF0-647E-4FC8-A34C-2138768E0C89}" type="datetimeFigureOut">
               <a:rPr lang="en-IN" smtClean="0"/>
-              <a:t>17-04-2020</a:t>
+              <a:t>20-04-2020</a:t>
             </a:fld>
             <a:endParaRPr lang="en-IN"/>
           </a:p>
@@ -1435,7 +1435,7 @@
           <p:cNvPr id="6" name="Footer Placeholder 5">
             <a:extLst>
               <a:ext uri="{FF2B5EF4-FFF2-40B4-BE49-F238E27FC236}">
-                <a16:creationId xmlns:a16="http://schemas.microsoft.com/office/drawing/2014/main" id="{A973B1B6-F66F-4786-AF5A-6EBBBDA7714B}"/>
+                <a16:creationId xmlns:a16="http://schemas.microsoft.com/office/drawing/2014/main" xmlns="" id="{A973B1B6-F66F-4786-AF5A-6EBBBDA7714B}"/>
               </a:ext>
             </a:extLst>
           </p:cNvPr>
@@ -1460,7 +1460,7 @@
           <p:cNvPr id="7" name="Slide Number Placeholder 6">
             <a:extLst>
               <a:ext uri="{FF2B5EF4-FFF2-40B4-BE49-F238E27FC236}">
-                <a16:creationId xmlns:a16="http://schemas.microsoft.com/office/drawing/2014/main" id="{D10ED0DA-D01D-48CA-84B1-A1392C1DC712}"/>
+                <a16:creationId xmlns:a16="http://schemas.microsoft.com/office/drawing/2014/main" xmlns="" id="{D10ED0DA-D01D-48CA-84B1-A1392C1DC712}"/>
               </a:ext>
             </a:extLst>
           </p:cNvPr>
@@ -1519,7 +1519,7 @@
           <p:cNvPr id="2" name="Title 1">
             <a:extLst>
               <a:ext uri="{FF2B5EF4-FFF2-40B4-BE49-F238E27FC236}">
-                <a16:creationId xmlns:a16="http://schemas.microsoft.com/office/drawing/2014/main" id="{57887257-76B6-40A4-BFDD-BDB1C77996E3}"/>
+                <a16:creationId xmlns:a16="http://schemas.microsoft.com/office/drawing/2014/main" xmlns="" id="{57887257-76B6-40A4-BFDD-BDB1C77996E3}"/>
               </a:ext>
             </a:extLst>
           </p:cNvPr>
@@ -1553,7 +1553,7 @@
           <p:cNvPr id="3" name="Text Placeholder 2">
             <a:extLst>
               <a:ext uri="{FF2B5EF4-FFF2-40B4-BE49-F238E27FC236}">
-                <a16:creationId xmlns:a16="http://schemas.microsoft.com/office/drawing/2014/main" id="{23438E21-3937-4FFC-AFAF-C658F8404277}"/>
+                <a16:creationId xmlns:a16="http://schemas.microsoft.com/office/drawing/2014/main" xmlns="" id="{23438E21-3937-4FFC-AFAF-C658F8404277}"/>
               </a:ext>
             </a:extLst>
           </p:cNvPr>
@@ -1624,7 +1624,7 @@
           <p:cNvPr id="4" name="Content Placeholder 3">
             <a:extLst>
               <a:ext uri="{FF2B5EF4-FFF2-40B4-BE49-F238E27FC236}">
-                <a16:creationId xmlns:a16="http://schemas.microsoft.com/office/drawing/2014/main" id="{ECEDAC8A-873C-45AD-924D-D31B75438C3F}"/>
+                <a16:creationId xmlns:a16="http://schemas.microsoft.com/office/drawing/2014/main" xmlns="" id="{ECEDAC8A-873C-45AD-924D-D31B75438C3F}"/>
               </a:ext>
             </a:extLst>
           </p:cNvPr>
@@ -1687,7 +1687,7 @@
           <p:cNvPr id="5" name="Text Placeholder 4">
             <a:extLst>
               <a:ext uri="{FF2B5EF4-FFF2-40B4-BE49-F238E27FC236}">
-                <a16:creationId xmlns:a16="http://schemas.microsoft.com/office/drawing/2014/main" id="{88C6DD29-4F0E-40C6-98AA-BB2DB06381A8}"/>
+                <a16:creationId xmlns:a16="http://schemas.microsoft.com/office/drawing/2014/main" xmlns="" id="{88C6DD29-4F0E-40C6-98AA-BB2DB06381A8}"/>
               </a:ext>
             </a:extLst>
           </p:cNvPr>
@@ -1758,7 +1758,7 @@
           <p:cNvPr id="6" name="Content Placeholder 5">
             <a:extLst>
               <a:ext uri="{FF2B5EF4-FFF2-40B4-BE49-F238E27FC236}">
-                <a16:creationId xmlns:a16="http://schemas.microsoft.com/office/drawing/2014/main" id="{E0FF4B9A-DDE6-4670-B393-DE908D830D28}"/>
+                <a16:creationId xmlns:a16="http://schemas.microsoft.com/office/drawing/2014/main" xmlns="" id="{E0FF4B9A-DDE6-4670-B393-DE908D830D28}"/>
               </a:ext>
             </a:extLst>
           </p:cNvPr>
@@ -1821,7 +1821,7 @@
           <p:cNvPr id="7" name="Date Placeholder 6">
             <a:extLst>
               <a:ext uri="{FF2B5EF4-FFF2-40B4-BE49-F238E27FC236}">
-                <a16:creationId xmlns:a16="http://schemas.microsoft.com/office/drawing/2014/main" id="{25CFDF00-EE92-4C0D-BA54-BF80E9CE33FA}"/>
+                <a16:creationId xmlns:a16="http://schemas.microsoft.com/office/drawing/2014/main" xmlns="" id="{25CFDF00-EE92-4C0D-BA54-BF80E9CE33FA}"/>
               </a:ext>
             </a:extLst>
           </p:cNvPr>
@@ -1839,7 +1839,7 @@
           <a:p>
             <a:fld id="{13FA0CF0-647E-4FC8-A34C-2138768E0C89}" type="datetimeFigureOut">
               <a:rPr lang="en-IN" smtClean="0"/>
-              <a:t>17-04-2020</a:t>
+              <a:t>20-04-2020</a:t>
             </a:fld>
             <a:endParaRPr lang="en-IN"/>
           </a:p>
@@ -1850,7 +1850,7 @@
           <p:cNvPr id="8" name="Footer Placeholder 7">
             <a:extLst>
               <a:ext uri="{FF2B5EF4-FFF2-40B4-BE49-F238E27FC236}">
-                <a16:creationId xmlns:a16="http://schemas.microsoft.com/office/drawing/2014/main" id="{F7FD0EFA-CE2B-4F5C-A6C5-45886721AB3E}"/>
+                <a16:creationId xmlns:a16="http://schemas.microsoft.com/office/drawing/2014/main" xmlns="" id="{F7FD0EFA-CE2B-4F5C-A6C5-45886721AB3E}"/>
               </a:ext>
             </a:extLst>
           </p:cNvPr>
@@ -1875,7 +1875,7 @@
           <p:cNvPr id="9" name="Slide Number Placeholder 8">
             <a:extLst>
               <a:ext uri="{FF2B5EF4-FFF2-40B4-BE49-F238E27FC236}">
-                <a16:creationId xmlns:a16="http://schemas.microsoft.com/office/drawing/2014/main" id="{32695F69-9833-40FF-B7DB-7EBF1882C81E}"/>
+                <a16:creationId xmlns:a16="http://schemas.microsoft.com/office/drawing/2014/main" xmlns="" id="{32695F69-9833-40FF-B7DB-7EBF1882C81E}"/>
               </a:ext>
             </a:extLst>
           </p:cNvPr>
@@ -1934,7 +1934,7 @@
           <p:cNvPr id="2" name="Title 1">
             <a:extLst>
               <a:ext uri="{FF2B5EF4-FFF2-40B4-BE49-F238E27FC236}">
-                <a16:creationId xmlns:a16="http://schemas.microsoft.com/office/drawing/2014/main" id="{A7E8CFA9-ED76-4774-96FF-970E3A643C2E}"/>
+                <a16:creationId xmlns:a16="http://schemas.microsoft.com/office/drawing/2014/main" xmlns="" id="{A7E8CFA9-ED76-4774-96FF-970E3A643C2E}"/>
               </a:ext>
             </a:extLst>
           </p:cNvPr>
@@ -1963,7 +1963,7 @@
           <p:cNvPr id="3" name="Date Placeholder 2">
             <a:extLst>
               <a:ext uri="{FF2B5EF4-FFF2-40B4-BE49-F238E27FC236}">
-                <a16:creationId xmlns:a16="http://schemas.microsoft.com/office/drawing/2014/main" id="{70730E82-480C-4F59-9046-8A3A3B16CF4D}"/>
+                <a16:creationId xmlns:a16="http://schemas.microsoft.com/office/drawing/2014/main" xmlns="" id="{70730E82-480C-4F59-9046-8A3A3B16CF4D}"/>
               </a:ext>
             </a:extLst>
           </p:cNvPr>
@@ -1981,7 +1981,7 @@
           <a:p>
             <a:fld id="{13FA0CF0-647E-4FC8-A34C-2138768E0C89}" type="datetimeFigureOut">
               <a:rPr lang="en-IN" smtClean="0"/>
-              <a:t>17-04-2020</a:t>
+              <a:t>20-04-2020</a:t>
             </a:fld>
             <a:endParaRPr lang="en-IN"/>
           </a:p>
@@ -1992,7 +1992,7 @@
           <p:cNvPr id="4" name="Footer Placeholder 3">
             <a:extLst>
               <a:ext uri="{FF2B5EF4-FFF2-40B4-BE49-F238E27FC236}">
-                <a16:creationId xmlns:a16="http://schemas.microsoft.com/office/drawing/2014/main" id="{6F19B598-4A23-4E12-B1E7-4917C8ED8BE0}"/>
+                <a16:creationId xmlns:a16="http://schemas.microsoft.com/office/drawing/2014/main" xmlns="" id="{6F19B598-4A23-4E12-B1E7-4917C8ED8BE0}"/>
               </a:ext>
             </a:extLst>
           </p:cNvPr>
@@ -2017,7 +2017,7 @@
           <p:cNvPr id="5" name="Slide Number Placeholder 4">
             <a:extLst>
               <a:ext uri="{FF2B5EF4-FFF2-40B4-BE49-F238E27FC236}">
-                <a16:creationId xmlns:a16="http://schemas.microsoft.com/office/drawing/2014/main" id="{A073DCD0-E906-4B88-B558-000E04A11EF8}"/>
+                <a16:creationId xmlns:a16="http://schemas.microsoft.com/office/drawing/2014/main" xmlns="" id="{A073DCD0-E906-4B88-B558-000E04A11EF8}"/>
               </a:ext>
             </a:extLst>
           </p:cNvPr>
@@ -2076,7 +2076,7 @@
           <p:cNvPr id="2" name="Date Placeholder 1">
             <a:extLst>
               <a:ext uri="{FF2B5EF4-FFF2-40B4-BE49-F238E27FC236}">
-                <a16:creationId xmlns:a16="http://schemas.microsoft.com/office/drawing/2014/main" id="{996CA0CF-B927-44C7-801F-AB5EE14C89BD}"/>
+                <a16:creationId xmlns:a16="http://schemas.microsoft.com/office/drawing/2014/main" xmlns="" id="{996CA0CF-B927-44C7-801F-AB5EE14C89BD}"/>
               </a:ext>
             </a:extLst>
           </p:cNvPr>
@@ -2094,7 +2094,7 @@
           <a:p>
             <a:fld id="{13FA0CF0-647E-4FC8-A34C-2138768E0C89}" type="datetimeFigureOut">
               <a:rPr lang="en-IN" smtClean="0"/>
-              <a:t>17-04-2020</a:t>
+              <a:t>20-04-2020</a:t>
             </a:fld>
             <a:endParaRPr lang="en-IN"/>
           </a:p>
@@ -2105,7 +2105,7 @@
           <p:cNvPr id="3" name="Footer Placeholder 2">
             <a:extLst>
               <a:ext uri="{FF2B5EF4-FFF2-40B4-BE49-F238E27FC236}">
-                <a16:creationId xmlns:a16="http://schemas.microsoft.com/office/drawing/2014/main" id="{91BA4561-0D16-45BF-80CF-BF3763089D70}"/>
+                <a16:creationId xmlns:a16="http://schemas.microsoft.com/office/drawing/2014/main" xmlns="" id="{91BA4561-0D16-45BF-80CF-BF3763089D70}"/>
               </a:ext>
             </a:extLst>
           </p:cNvPr>
@@ -2130,7 +2130,7 @@
           <p:cNvPr id="4" name="Slide Number Placeholder 3">
             <a:extLst>
               <a:ext uri="{FF2B5EF4-FFF2-40B4-BE49-F238E27FC236}">
-                <a16:creationId xmlns:a16="http://schemas.microsoft.com/office/drawing/2014/main" id="{243301A5-0815-43FA-86A3-056B734361C7}"/>
+                <a16:creationId xmlns:a16="http://schemas.microsoft.com/office/drawing/2014/main" xmlns="" id="{243301A5-0815-43FA-86A3-056B734361C7}"/>
               </a:ext>
             </a:extLst>
           </p:cNvPr>
@@ -2189,7 +2189,7 @@
           <p:cNvPr id="2" name="Title 1">
             <a:extLst>
               <a:ext uri="{FF2B5EF4-FFF2-40B4-BE49-F238E27FC236}">
-                <a16:creationId xmlns:a16="http://schemas.microsoft.com/office/drawing/2014/main" id="{CD05C38E-5FBC-4F94-BCA7-400297E77714}"/>
+                <a16:creationId xmlns:a16="http://schemas.microsoft.com/office/drawing/2014/main" xmlns="" id="{CD05C38E-5FBC-4F94-BCA7-400297E77714}"/>
               </a:ext>
             </a:extLst>
           </p:cNvPr>
@@ -2227,7 +2227,7 @@
           <p:cNvPr id="3" name="Content Placeholder 2">
             <a:extLst>
               <a:ext uri="{FF2B5EF4-FFF2-40B4-BE49-F238E27FC236}">
-                <a16:creationId xmlns:a16="http://schemas.microsoft.com/office/drawing/2014/main" id="{EBE51A82-8454-4540-8F70-763D6080832B}"/>
+                <a16:creationId xmlns:a16="http://schemas.microsoft.com/office/drawing/2014/main" xmlns="" id="{EBE51A82-8454-4540-8F70-763D6080832B}"/>
               </a:ext>
             </a:extLst>
           </p:cNvPr>
@@ -2318,7 +2318,7 @@
           <p:cNvPr id="4" name="Text Placeholder 3">
             <a:extLst>
               <a:ext uri="{FF2B5EF4-FFF2-40B4-BE49-F238E27FC236}">
-                <a16:creationId xmlns:a16="http://schemas.microsoft.com/office/drawing/2014/main" id="{0271446A-1625-452D-BA82-61D4E81DB9DD}"/>
+                <a16:creationId xmlns:a16="http://schemas.microsoft.com/office/drawing/2014/main" xmlns="" id="{0271446A-1625-452D-BA82-61D4E81DB9DD}"/>
               </a:ext>
             </a:extLst>
           </p:cNvPr>
@@ -2389,7 +2389,7 @@
           <p:cNvPr id="5" name="Date Placeholder 4">
             <a:extLst>
               <a:ext uri="{FF2B5EF4-FFF2-40B4-BE49-F238E27FC236}">
-                <a16:creationId xmlns:a16="http://schemas.microsoft.com/office/drawing/2014/main" id="{D0CF2848-3BE5-42FB-B5E7-860DDBD53540}"/>
+                <a16:creationId xmlns:a16="http://schemas.microsoft.com/office/drawing/2014/main" xmlns="" id="{D0CF2848-3BE5-42FB-B5E7-860DDBD53540}"/>
               </a:ext>
             </a:extLst>
           </p:cNvPr>
@@ -2407,7 +2407,7 @@
           <a:p>
             <a:fld id="{13FA0CF0-647E-4FC8-A34C-2138768E0C89}" type="datetimeFigureOut">
               <a:rPr lang="en-IN" smtClean="0"/>
-              <a:t>17-04-2020</a:t>
+              <a:t>20-04-2020</a:t>
             </a:fld>
             <a:endParaRPr lang="en-IN"/>
           </a:p>
@@ -2418,7 +2418,7 @@
           <p:cNvPr id="6" name="Footer Placeholder 5">
             <a:extLst>
               <a:ext uri="{FF2B5EF4-FFF2-40B4-BE49-F238E27FC236}">
-                <a16:creationId xmlns:a16="http://schemas.microsoft.com/office/drawing/2014/main" id="{D9355F59-DAFC-4033-81B0-36223A278ECC}"/>
+                <a16:creationId xmlns:a16="http://schemas.microsoft.com/office/drawing/2014/main" xmlns="" id="{D9355F59-DAFC-4033-81B0-36223A278ECC}"/>
               </a:ext>
             </a:extLst>
           </p:cNvPr>
@@ -2443,7 +2443,7 @@
           <p:cNvPr id="7" name="Slide Number Placeholder 6">
             <a:extLst>
               <a:ext uri="{FF2B5EF4-FFF2-40B4-BE49-F238E27FC236}">
-                <a16:creationId xmlns:a16="http://schemas.microsoft.com/office/drawing/2014/main" id="{82F2B0F5-A521-4342-9892-801B6491CEAC}"/>
+                <a16:creationId xmlns:a16="http://schemas.microsoft.com/office/drawing/2014/main" xmlns="" id="{82F2B0F5-A521-4342-9892-801B6491CEAC}"/>
               </a:ext>
             </a:extLst>
           </p:cNvPr>
@@ -2502,7 +2502,7 @@
           <p:cNvPr id="2" name="Title 1">
             <a:extLst>
               <a:ext uri="{FF2B5EF4-FFF2-40B4-BE49-F238E27FC236}">
-                <a16:creationId xmlns:a16="http://schemas.microsoft.com/office/drawing/2014/main" id="{E21470E9-4365-478B-A307-ECDB51E609F6}"/>
+                <a16:creationId xmlns:a16="http://schemas.microsoft.com/office/drawing/2014/main" xmlns="" id="{E21470E9-4365-478B-A307-ECDB51E609F6}"/>
               </a:ext>
             </a:extLst>
           </p:cNvPr>
@@ -2540,7 +2540,7 @@
           <p:cNvPr id="3" name="Picture Placeholder 2">
             <a:extLst>
               <a:ext uri="{FF2B5EF4-FFF2-40B4-BE49-F238E27FC236}">
-                <a16:creationId xmlns:a16="http://schemas.microsoft.com/office/drawing/2014/main" id="{3B64B778-D5AB-40CB-8A9A-A88C34C3A885}"/>
+                <a16:creationId xmlns:a16="http://schemas.microsoft.com/office/drawing/2014/main" xmlns="" id="{3B64B778-D5AB-40CB-8A9A-A88C34C3A885}"/>
               </a:ext>
             </a:extLst>
           </p:cNvPr>
@@ -2607,7 +2607,7 @@
           <p:cNvPr id="4" name="Text Placeholder 3">
             <a:extLst>
               <a:ext uri="{FF2B5EF4-FFF2-40B4-BE49-F238E27FC236}">
-                <a16:creationId xmlns:a16="http://schemas.microsoft.com/office/drawing/2014/main" id="{203F1646-C478-4F65-BABA-DCB8B2748693}"/>
+                <a16:creationId xmlns:a16="http://schemas.microsoft.com/office/drawing/2014/main" xmlns="" id="{203F1646-C478-4F65-BABA-DCB8B2748693}"/>
               </a:ext>
             </a:extLst>
           </p:cNvPr>
@@ -2678,7 +2678,7 @@
           <p:cNvPr id="5" name="Date Placeholder 4">
             <a:extLst>
               <a:ext uri="{FF2B5EF4-FFF2-40B4-BE49-F238E27FC236}">
-                <a16:creationId xmlns:a16="http://schemas.microsoft.com/office/drawing/2014/main" id="{611E5C2C-54CF-40E9-BF46-1C47C459F16B}"/>
+                <a16:creationId xmlns:a16="http://schemas.microsoft.com/office/drawing/2014/main" xmlns="" id="{611E5C2C-54CF-40E9-BF46-1C47C459F16B}"/>
               </a:ext>
             </a:extLst>
           </p:cNvPr>
@@ -2696,7 +2696,7 @@
           <a:p>
             <a:fld id="{13FA0CF0-647E-4FC8-A34C-2138768E0C89}" type="datetimeFigureOut">
               <a:rPr lang="en-IN" smtClean="0"/>
-              <a:t>17-04-2020</a:t>
+              <a:t>20-04-2020</a:t>
             </a:fld>
             <a:endParaRPr lang="en-IN"/>
           </a:p>
@@ -2707,7 +2707,7 @@
           <p:cNvPr id="6" name="Footer Placeholder 5">
             <a:extLst>
               <a:ext uri="{FF2B5EF4-FFF2-40B4-BE49-F238E27FC236}">
-                <a16:creationId xmlns:a16="http://schemas.microsoft.com/office/drawing/2014/main" id="{4815A421-8C23-4002-8B37-B56697D70901}"/>
+                <a16:creationId xmlns:a16="http://schemas.microsoft.com/office/drawing/2014/main" xmlns="" id="{4815A421-8C23-4002-8B37-B56697D70901}"/>
               </a:ext>
             </a:extLst>
           </p:cNvPr>
@@ -2732,7 +2732,7 @@
           <p:cNvPr id="7" name="Slide Number Placeholder 6">
             <a:extLst>
               <a:ext uri="{FF2B5EF4-FFF2-40B4-BE49-F238E27FC236}">
-                <a16:creationId xmlns:a16="http://schemas.microsoft.com/office/drawing/2014/main" id="{B341CEE7-E11A-4CA0-9443-615474A87836}"/>
+                <a16:creationId xmlns:a16="http://schemas.microsoft.com/office/drawing/2014/main" xmlns="" id="{B341CEE7-E11A-4CA0-9443-615474A87836}"/>
               </a:ext>
             </a:extLst>
           </p:cNvPr>
@@ -2796,7 +2796,7 @@
           <p:cNvPr id="2" name="Title Placeholder 1">
             <a:extLst>
               <a:ext uri="{FF2B5EF4-FFF2-40B4-BE49-F238E27FC236}">
-                <a16:creationId xmlns:a16="http://schemas.microsoft.com/office/drawing/2014/main" id="{88BE9D24-C035-42D3-8E42-86B2666FD23A}"/>
+                <a16:creationId xmlns:a16="http://schemas.microsoft.com/office/drawing/2014/main" xmlns="" id="{88BE9D24-C035-42D3-8E42-86B2666FD23A}"/>
               </a:ext>
             </a:extLst>
           </p:cNvPr>
@@ -2835,7 +2835,7 @@
           <p:cNvPr id="3" name="Text Placeholder 2">
             <a:extLst>
               <a:ext uri="{FF2B5EF4-FFF2-40B4-BE49-F238E27FC236}">
-                <a16:creationId xmlns:a16="http://schemas.microsoft.com/office/drawing/2014/main" id="{07E5431F-C477-43D5-8D02-168D05DF6E57}"/>
+                <a16:creationId xmlns:a16="http://schemas.microsoft.com/office/drawing/2014/main" xmlns="" id="{07E5431F-C477-43D5-8D02-168D05DF6E57}"/>
               </a:ext>
             </a:extLst>
           </p:cNvPr>
@@ -2903,7 +2903,7 @@
           <p:cNvPr id="4" name="Date Placeholder 3">
             <a:extLst>
               <a:ext uri="{FF2B5EF4-FFF2-40B4-BE49-F238E27FC236}">
-                <a16:creationId xmlns:a16="http://schemas.microsoft.com/office/drawing/2014/main" id="{AB312D81-D3EB-4315-B963-16835932193B}"/>
+                <a16:creationId xmlns:a16="http://schemas.microsoft.com/office/drawing/2014/main" xmlns="" id="{AB312D81-D3EB-4315-B963-16835932193B}"/>
               </a:ext>
             </a:extLst>
           </p:cNvPr>
@@ -2939,7 +2939,7 @@
           <a:p>
             <a:fld id="{13FA0CF0-647E-4FC8-A34C-2138768E0C89}" type="datetimeFigureOut">
               <a:rPr lang="en-IN" smtClean="0"/>
-              <a:t>17-04-2020</a:t>
+              <a:t>20-04-2020</a:t>
             </a:fld>
             <a:endParaRPr lang="en-IN"/>
           </a:p>
@@ -2950,7 +2950,7 @@
           <p:cNvPr id="5" name="Footer Placeholder 4">
             <a:extLst>
               <a:ext uri="{FF2B5EF4-FFF2-40B4-BE49-F238E27FC236}">
-                <a16:creationId xmlns:a16="http://schemas.microsoft.com/office/drawing/2014/main" id="{19550653-FAF0-465D-B5F8-0C3119148224}"/>
+                <a16:creationId xmlns:a16="http://schemas.microsoft.com/office/drawing/2014/main" xmlns="" id="{19550653-FAF0-465D-B5F8-0C3119148224}"/>
               </a:ext>
             </a:extLst>
           </p:cNvPr>
@@ -2993,7 +2993,7 @@
           <p:cNvPr id="6" name="Slide Number Placeholder 5">
             <a:extLst>
               <a:ext uri="{FF2B5EF4-FFF2-40B4-BE49-F238E27FC236}">
-                <a16:creationId xmlns:a16="http://schemas.microsoft.com/office/drawing/2014/main" id="{F332DDF2-E99A-4652-8362-6DFE930BCED6}"/>
+                <a16:creationId xmlns:a16="http://schemas.microsoft.com/office/drawing/2014/main" xmlns="" id="{F332DDF2-E99A-4652-8362-6DFE930BCED6}"/>
               </a:ext>
             </a:extLst>
           </p:cNvPr>
@@ -3361,7 +3361,7 @@
           <p:cNvPr id="2" name="Title 1">
             <a:extLst>
               <a:ext uri="{FF2B5EF4-FFF2-40B4-BE49-F238E27FC236}">
-                <a16:creationId xmlns:a16="http://schemas.microsoft.com/office/drawing/2014/main" id="{880ABAEC-FD25-40C4-B5E7-0FA381EE1747}"/>
+                <a16:creationId xmlns:a16="http://schemas.microsoft.com/office/drawing/2014/main" xmlns="" id="{880ABAEC-FD25-40C4-B5E7-0FA381EE1747}"/>
               </a:ext>
             </a:extLst>
           </p:cNvPr>
@@ -3389,7 +3389,7 @@
           <p:cNvPr id="3" name="Subtitle 2">
             <a:extLst>
               <a:ext uri="{FF2B5EF4-FFF2-40B4-BE49-F238E27FC236}">
-                <a16:creationId xmlns:a16="http://schemas.microsoft.com/office/drawing/2014/main" id="{06F9BE9B-7FF9-420E-9CA3-AA3F4B05D19E}"/>
+                <a16:creationId xmlns:a16="http://schemas.microsoft.com/office/drawing/2014/main" xmlns="" id="{06F9BE9B-7FF9-420E-9CA3-AA3F4B05D19E}"/>
               </a:ext>
             </a:extLst>
           </p:cNvPr>
@@ -3444,7 +3444,7 @@
           <p:cNvPr id="2" name="Title 1">
             <a:extLst>
               <a:ext uri="{FF2B5EF4-FFF2-40B4-BE49-F238E27FC236}">
-                <a16:creationId xmlns:a16="http://schemas.microsoft.com/office/drawing/2014/main" id="{1AA2361C-23D2-4B16-8262-7E055783F35D}"/>
+                <a16:creationId xmlns:a16="http://schemas.microsoft.com/office/drawing/2014/main" xmlns="" id="{1AA2361C-23D2-4B16-8262-7E055783F35D}"/>
               </a:ext>
             </a:extLst>
           </p:cNvPr>
@@ -3472,7 +3472,7 @@
           <p:cNvPr id="3" name="Content Placeholder 2">
             <a:extLst>
               <a:ext uri="{FF2B5EF4-FFF2-40B4-BE49-F238E27FC236}">
-                <a16:creationId xmlns:a16="http://schemas.microsoft.com/office/drawing/2014/main" id="{0FD71C69-AAE1-4074-B341-5F1BFA3FF8CE}"/>
+                <a16:creationId xmlns:a16="http://schemas.microsoft.com/office/drawing/2014/main" xmlns="" id="{0FD71C69-AAE1-4074-B341-5F1BFA3FF8CE}"/>
               </a:ext>
             </a:extLst>
           </p:cNvPr>
@@ -3537,7 +3537,7 @@
           <p:cNvPr id="2" name="Title 1">
             <a:extLst>
               <a:ext uri="{FF2B5EF4-FFF2-40B4-BE49-F238E27FC236}">
-                <a16:creationId xmlns:a16="http://schemas.microsoft.com/office/drawing/2014/main" id="{2793A3B9-47D4-4224-B092-E36E83882DA5}"/>
+                <a16:creationId xmlns:a16="http://schemas.microsoft.com/office/drawing/2014/main" xmlns="" id="{2793A3B9-47D4-4224-B092-E36E83882DA5}"/>
               </a:ext>
             </a:extLst>
           </p:cNvPr>
@@ -3592,7 +3592,7 @@
           <p:cNvPr id="4" name="Rectangle 3">
             <a:extLst>
               <a:ext uri="{FF2B5EF4-FFF2-40B4-BE49-F238E27FC236}">
-                <a16:creationId xmlns:a16="http://schemas.microsoft.com/office/drawing/2014/main" id="{8205CC66-DB7A-41C6-9FCA-FE572FB28785}"/>
+                <a16:creationId xmlns:a16="http://schemas.microsoft.com/office/drawing/2014/main" xmlns="" id="{8205CC66-DB7A-41C6-9FCA-FE572FB28785}"/>
               </a:ext>
             </a:extLst>
           </p:cNvPr>
@@ -3638,7 +3638,7 @@
           <p:cNvPr id="5" name="TextBox 4">
             <a:extLst>
               <a:ext uri="{FF2B5EF4-FFF2-40B4-BE49-F238E27FC236}">
-                <a16:creationId xmlns:a16="http://schemas.microsoft.com/office/drawing/2014/main" id="{B22CEE5F-53C2-4846-9A4F-628B06AF9A42}"/>
+                <a16:creationId xmlns:a16="http://schemas.microsoft.com/office/drawing/2014/main" xmlns="" id="{B22CEE5F-53C2-4846-9A4F-628B06AF9A42}"/>
               </a:ext>
             </a:extLst>
           </p:cNvPr>
@@ -3682,7 +3682,7 @@
           <p:cNvPr id="6" name="Oval 5">
             <a:extLst>
               <a:ext uri="{FF2B5EF4-FFF2-40B4-BE49-F238E27FC236}">
-                <a16:creationId xmlns:a16="http://schemas.microsoft.com/office/drawing/2014/main" id="{CED11C5B-22C0-4C00-A0F2-9208EB4D4E0D}"/>
+                <a16:creationId xmlns:a16="http://schemas.microsoft.com/office/drawing/2014/main" xmlns="" id="{CED11C5B-22C0-4C00-A0F2-9208EB4D4E0D}"/>
               </a:ext>
             </a:extLst>
           </p:cNvPr>
@@ -3762,7 +3762,7 @@
           <p:cNvPr id="8" name="Straight Arrow Connector 7">
             <a:extLst>
               <a:ext uri="{FF2B5EF4-FFF2-40B4-BE49-F238E27FC236}">
-                <a16:creationId xmlns:a16="http://schemas.microsoft.com/office/drawing/2014/main" id="{FB3BA12A-37C2-4DD5-A6E0-D0DAFFB54ED4}"/>
+                <a16:creationId xmlns:a16="http://schemas.microsoft.com/office/drawing/2014/main" xmlns="" id="{FB3BA12A-37C2-4DD5-A6E0-D0DAFFB54ED4}"/>
               </a:ext>
             </a:extLst>
           </p:cNvPr>
@@ -3804,7 +3804,7 @@
           <p:cNvPr id="9" name="TextBox 8">
             <a:extLst>
               <a:ext uri="{FF2B5EF4-FFF2-40B4-BE49-F238E27FC236}">
-                <a16:creationId xmlns:a16="http://schemas.microsoft.com/office/drawing/2014/main" id="{7A7411F2-33E3-4780-9FDD-6AC065204894}"/>
+                <a16:creationId xmlns:a16="http://schemas.microsoft.com/office/drawing/2014/main" xmlns="" id="{7A7411F2-33E3-4780-9FDD-6AC065204894}"/>
               </a:ext>
             </a:extLst>
           </p:cNvPr>
@@ -3839,7 +3839,7 @@
           <p:cNvPr id="10" name="Oval 9">
             <a:extLst>
               <a:ext uri="{FF2B5EF4-FFF2-40B4-BE49-F238E27FC236}">
-                <a16:creationId xmlns:a16="http://schemas.microsoft.com/office/drawing/2014/main" id="{6B2C3387-9D87-4230-A71F-7D07C0C877B1}"/>
+                <a16:creationId xmlns:a16="http://schemas.microsoft.com/office/drawing/2014/main" xmlns="" id="{6B2C3387-9D87-4230-A71F-7D07C0C877B1}"/>
               </a:ext>
             </a:extLst>
           </p:cNvPr>
@@ -3906,7 +3906,7 @@
           <p:cNvPr id="11" name="Straight Arrow Connector 10">
             <a:extLst>
               <a:ext uri="{FF2B5EF4-FFF2-40B4-BE49-F238E27FC236}">
-                <a16:creationId xmlns:a16="http://schemas.microsoft.com/office/drawing/2014/main" id="{037448D1-61FC-4DEF-9CDA-EA38B8B89068}"/>
+                <a16:creationId xmlns:a16="http://schemas.microsoft.com/office/drawing/2014/main" xmlns="" id="{037448D1-61FC-4DEF-9CDA-EA38B8B89068}"/>
               </a:ext>
             </a:extLst>
           </p:cNvPr>
@@ -3948,7 +3948,7 @@
           <p:cNvPr id="12" name="TextBox 11">
             <a:extLst>
               <a:ext uri="{FF2B5EF4-FFF2-40B4-BE49-F238E27FC236}">
-                <a16:creationId xmlns:a16="http://schemas.microsoft.com/office/drawing/2014/main" id="{5CA1AD87-7AB8-441B-A365-5F0DC6254567}"/>
+                <a16:creationId xmlns:a16="http://schemas.microsoft.com/office/drawing/2014/main" xmlns="" id="{5CA1AD87-7AB8-441B-A365-5F0DC6254567}"/>
               </a:ext>
             </a:extLst>
           </p:cNvPr>
@@ -3983,7 +3983,7 @@
           <p:cNvPr id="13" name="Oval 12">
             <a:extLst>
               <a:ext uri="{FF2B5EF4-FFF2-40B4-BE49-F238E27FC236}">
-                <a16:creationId xmlns:a16="http://schemas.microsoft.com/office/drawing/2014/main" id="{6144187C-C27C-4B43-BD8B-C6DEC747D8D6}"/>
+                <a16:creationId xmlns:a16="http://schemas.microsoft.com/office/drawing/2014/main" xmlns="" id="{6144187C-C27C-4B43-BD8B-C6DEC747D8D6}"/>
               </a:ext>
             </a:extLst>
           </p:cNvPr>
@@ -4063,7 +4063,7 @@
           <p:cNvPr id="14" name="Straight Arrow Connector 13">
             <a:extLst>
               <a:ext uri="{FF2B5EF4-FFF2-40B4-BE49-F238E27FC236}">
-                <a16:creationId xmlns:a16="http://schemas.microsoft.com/office/drawing/2014/main" id="{36998D60-389C-422B-B4EF-68BDE707F2A0}"/>
+                <a16:creationId xmlns:a16="http://schemas.microsoft.com/office/drawing/2014/main" xmlns="" id="{36998D60-389C-422B-B4EF-68BDE707F2A0}"/>
               </a:ext>
             </a:extLst>
           </p:cNvPr>
@@ -4105,7 +4105,7 @@
           <p:cNvPr id="15" name="TextBox 14">
             <a:extLst>
               <a:ext uri="{FF2B5EF4-FFF2-40B4-BE49-F238E27FC236}">
-                <a16:creationId xmlns:a16="http://schemas.microsoft.com/office/drawing/2014/main" id="{44A24137-E370-4B91-AB48-EB371395D595}"/>
+                <a16:creationId xmlns:a16="http://schemas.microsoft.com/office/drawing/2014/main" xmlns="" id="{44A24137-E370-4B91-AB48-EB371395D595}"/>
               </a:ext>
             </a:extLst>
           </p:cNvPr>
@@ -4140,7 +4140,7 @@
           <p:cNvPr id="16" name="TextBox 15">
             <a:extLst>
               <a:ext uri="{FF2B5EF4-FFF2-40B4-BE49-F238E27FC236}">
-                <a16:creationId xmlns:a16="http://schemas.microsoft.com/office/drawing/2014/main" id="{531C7804-A1C6-4B37-8F82-48DA2A14FFB8}"/>
+                <a16:creationId xmlns:a16="http://schemas.microsoft.com/office/drawing/2014/main" xmlns="" id="{531C7804-A1C6-4B37-8F82-48DA2A14FFB8}"/>
               </a:ext>
             </a:extLst>
           </p:cNvPr>
@@ -4176,7 +4176,7 @@
           <p:cNvPr id="17" name="TextBox 16">
             <a:extLst>
               <a:ext uri="{FF2B5EF4-FFF2-40B4-BE49-F238E27FC236}">
-                <a16:creationId xmlns:a16="http://schemas.microsoft.com/office/drawing/2014/main" id="{789A42B3-2F04-4B6A-A77F-037FFF95576D}"/>
+                <a16:creationId xmlns:a16="http://schemas.microsoft.com/office/drawing/2014/main" xmlns="" id="{789A42B3-2F04-4B6A-A77F-037FFF95576D}"/>
               </a:ext>
             </a:extLst>
           </p:cNvPr>
@@ -4208,7 +4208,7 @@
           <p:cNvPr id="19" name="Straight Arrow Connector 18">
             <a:extLst>
               <a:ext uri="{FF2B5EF4-FFF2-40B4-BE49-F238E27FC236}">
-                <a16:creationId xmlns:a16="http://schemas.microsoft.com/office/drawing/2014/main" id="{DB5A0D82-439C-43D3-A0BC-87D293E62A1D}"/>
+                <a16:creationId xmlns:a16="http://schemas.microsoft.com/office/drawing/2014/main" xmlns="" id="{DB5A0D82-439C-43D3-A0BC-87D293E62A1D}"/>
               </a:ext>
             </a:extLst>
           </p:cNvPr>
@@ -4250,7 +4250,7 @@
           <p:cNvPr id="20" name="Straight Arrow Connector 19">
             <a:extLst>
               <a:ext uri="{FF2B5EF4-FFF2-40B4-BE49-F238E27FC236}">
-                <a16:creationId xmlns:a16="http://schemas.microsoft.com/office/drawing/2014/main" id="{796E419F-5623-4E72-AA7B-B1378E4591BC}"/>
+                <a16:creationId xmlns:a16="http://schemas.microsoft.com/office/drawing/2014/main" xmlns="" id="{796E419F-5623-4E72-AA7B-B1378E4591BC}"/>
               </a:ext>
             </a:extLst>
           </p:cNvPr>
@@ -4294,7 +4294,7 @@
           <p:cNvPr id="22" name="Straight Arrow Connector 21">
             <a:extLst>
               <a:ext uri="{FF2B5EF4-FFF2-40B4-BE49-F238E27FC236}">
-                <a16:creationId xmlns:a16="http://schemas.microsoft.com/office/drawing/2014/main" id="{94FA1791-CDB8-4870-852D-8F96DF9287D2}"/>
+                <a16:creationId xmlns:a16="http://schemas.microsoft.com/office/drawing/2014/main" xmlns="" id="{94FA1791-CDB8-4870-852D-8F96DF9287D2}"/>
               </a:ext>
             </a:extLst>
           </p:cNvPr>
@@ -4368,7 +4368,7 @@
           <p:cNvPr id="2" name="Title 1">
             <a:extLst>
               <a:ext uri="{FF2B5EF4-FFF2-40B4-BE49-F238E27FC236}">
-                <a16:creationId xmlns:a16="http://schemas.microsoft.com/office/drawing/2014/main" id="{72E42C10-12BF-47B0-81E1-967022C7D174}"/>
+                <a16:creationId xmlns:a16="http://schemas.microsoft.com/office/drawing/2014/main" xmlns="" id="{72E42C10-12BF-47B0-81E1-967022C7D174}"/>
               </a:ext>
             </a:extLst>
           </p:cNvPr>
@@ -4396,7 +4396,7 @@
           <p:cNvPr id="3" name="Content Placeholder 2">
             <a:extLst>
               <a:ext uri="{FF2B5EF4-FFF2-40B4-BE49-F238E27FC236}">
-                <a16:creationId xmlns:a16="http://schemas.microsoft.com/office/drawing/2014/main" id="{5DB2B4ED-B767-4FE6-B89A-D5825AFB2AD1}"/>
+                <a16:creationId xmlns:a16="http://schemas.microsoft.com/office/drawing/2014/main" xmlns="" id="{5DB2B4ED-B767-4FE6-B89A-D5825AFB2AD1}"/>
               </a:ext>
             </a:extLst>
           </p:cNvPr>
@@ -4459,7 +4459,7 @@
           <p:cNvPr id="4" name="Block Arc 3">
             <a:extLst>
               <a:ext uri="{FF2B5EF4-FFF2-40B4-BE49-F238E27FC236}">
-                <a16:creationId xmlns:a16="http://schemas.microsoft.com/office/drawing/2014/main" id="{DE62595E-05B4-422D-AF4C-E79B95156BA2}"/>
+                <a16:creationId xmlns:a16="http://schemas.microsoft.com/office/drawing/2014/main" xmlns="" id="{DE62595E-05B4-422D-AF4C-E79B95156BA2}"/>
               </a:ext>
             </a:extLst>
           </p:cNvPr>
@@ -4509,7 +4509,7 @@
           <p:cNvPr id="5" name="Rectangle 4">
             <a:extLst>
               <a:ext uri="{FF2B5EF4-FFF2-40B4-BE49-F238E27FC236}">
-                <a16:creationId xmlns:a16="http://schemas.microsoft.com/office/drawing/2014/main" id="{6AFC445C-247F-49EA-AF85-14FBA9777BA2}"/>
+                <a16:creationId xmlns:a16="http://schemas.microsoft.com/office/drawing/2014/main" xmlns="" id="{6AFC445C-247F-49EA-AF85-14FBA9777BA2}"/>
               </a:ext>
             </a:extLst>
           </p:cNvPr>
@@ -4558,7 +4558,7 @@
           <p:cNvPr id="6" name="Rectangle 5">
             <a:extLst>
               <a:ext uri="{FF2B5EF4-FFF2-40B4-BE49-F238E27FC236}">
-                <a16:creationId xmlns:a16="http://schemas.microsoft.com/office/drawing/2014/main" id="{88F18531-08D1-47C2-BA70-E1DEAB2564F5}"/>
+                <a16:creationId xmlns:a16="http://schemas.microsoft.com/office/drawing/2014/main" xmlns="" id="{88F18531-08D1-47C2-BA70-E1DEAB2564F5}"/>
               </a:ext>
             </a:extLst>
           </p:cNvPr>
@@ -4607,7 +4607,7 @@
           <p:cNvPr id="8" name="Rectangle 7">
             <a:extLst>
               <a:ext uri="{FF2B5EF4-FFF2-40B4-BE49-F238E27FC236}">
-                <a16:creationId xmlns:a16="http://schemas.microsoft.com/office/drawing/2014/main" id="{1CE4A4DE-EEAC-4224-94D8-6A3EFA529DB7}"/>
+                <a16:creationId xmlns:a16="http://schemas.microsoft.com/office/drawing/2014/main" xmlns="" id="{1CE4A4DE-EEAC-4224-94D8-6A3EFA529DB7}"/>
               </a:ext>
             </a:extLst>
           </p:cNvPr>
@@ -4656,7 +4656,7 @@
           <p:cNvPr id="9" name="Rectangle 8">
             <a:extLst>
               <a:ext uri="{FF2B5EF4-FFF2-40B4-BE49-F238E27FC236}">
-                <a16:creationId xmlns:a16="http://schemas.microsoft.com/office/drawing/2014/main" id="{98E9C4BB-B66E-4D7A-A5FD-0B7A2A72BD15}"/>
+                <a16:creationId xmlns:a16="http://schemas.microsoft.com/office/drawing/2014/main" xmlns="" id="{98E9C4BB-B66E-4D7A-A5FD-0B7A2A72BD15}"/>
               </a:ext>
             </a:extLst>
           </p:cNvPr>
@@ -4702,7 +4702,7 @@
           <p:cNvPr id="10" name="Rectangle 9">
             <a:extLst>
               <a:ext uri="{FF2B5EF4-FFF2-40B4-BE49-F238E27FC236}">
-                <a16:creationId xmlns:a16="http://schemas.microsoft.com/office/drawing/2014/main" id="{B408791B-E4C0-4D17-B52A-19877857EF14}"/>
+                <a16:creationId xmlns:a16="http://schemas.microsoft.com/office/drawing/2014/main" xmlns="" id="{B408791B-E4C0-4D17-B52A-19877857EF14}"/>
               </a:ext>
             </a:extLst>
           </p:cNvPr>
@@ -4748,7 +4748,7 @@
           <p:cNvPr id="11" name="Rectangle 10">
             <a:extLst>
               <a:ext uri="{FF2B5EF4-FFF2-40B4-BE49-F238E27FC236}">
-                <a16:creationId xmlns:a16="http://schemas.microsoft.com/office/drawing/2014/main" id="{E74745F9-C9B9-4993-977E-A08CEF5D1AB4}"/>
+                <a16:creationId xmlns:a16="http://schemas.microsoft.com/office/drawing/2014/main" xmlns="" id="{E74745F9-C9B9-4993-977E-A08CEF5D1AB4}"/>
               </a:ext>
             </a:extLst>
           </p:cNvPr>
@@ -4797,7 +4797,7 @@
           <p:cNvPr id="12" name="Rectangle 11">
             <a:extLst>
               <a:ext uri="{FF2B5EF4-FFF2-40B4-BE49-F238E27FC236}">
-                <a16:creationId xmlns:a16="http://schemas.microsoft.com/office/drawing/2014/main" id="{6886B1B3-BBA8-4AE3-8178-961FD5C789FF}"/>
+                <a16:creationId xmlns:a16="http://schemas.microsoft.com/office/drawing/2014/main" xmlns="" id="{6886B1B3-BBA8-4AE3-8178-961FD5C789FF}"/>
               </a:ext>
             </a:extLst>
           </p:cNvPr>
@@ -4846,7 +4846,7 @@
           <p:cNvPr id="13" name="Rectangle 12">
             <a:extLst>
               <a:ext uri="{FF2B5EF4-FFF2-40B4-BE49-F238E27FC236}">
-                <a16:creationId xmlns:a16="http://schemas.microsoft.com/office/drawing/2014/main" id="{F90A28AE-8241-4128-ACAA-5C24A4E0C2E1}"/>
+                <a16:creationId xmlns:a16="http://schemas.microsoft.com/office/drawing/2014/main" xmlns="" id="{F90A28AE-8241-4128-ACAA-5C24A4E0C2E1}"/>
               </a:ext>
             </a:extLst>
           </p:cNvPr>
@@ -4895,7 +4895,7 @@
           <p:cNvPr id="15" name="Straight Arrow Connector 14">
             <a:extLst>
               <a:ext uri="{FF2B5EF4-FFF2-40B4-BE49-F238E27FC236}">
-                <a16:creationId xmlns:a16="http://schemas.microsoft.com/office/drawing/2014/main" id="{BE77874D-701A-4D5B-AA20-41D8C9BDB0CB}"/>
+                <a16:creationId xmlns:a16="http://schemas.microsoft.com/office/drawing/2014/main" xmlns="" id="{BE77874D-701A-4D5B-AA20-41D8C9BDB0CB}"/>
               </a:ext>
             </a:extLst>
           </p:cNvPr>
@@ -4934,7 +4934,7 @@
           <p:cNvPr id="16" name="Straight Arrow Connector 15">
             <a:extLst>
               <a:ext uri="{FF2B5EF4-FFF2-40B4-BE49-F238E27FC236}">
-                <a16:creationId xmlns:a16="http://schemas.microsoft.com/office/drawing/2014/main" id="{713CC723-8489-42B6-8CBF-772DDDBA0199}"/>
+                <a16:creationId xmlns:a16="http://schemas.microsoft.com/office/drawing/2014/main" xmlns="" id="{713CC723-8489-42B6-8CBF-772DDDBA0199}"/>
               </a:ext>
             </a:extLst>
           </p:cNvPr>
@@ -5003,7 +5003,7 @@
           <p:cNvPr id="2" name="Title 1">
             <a:extLst>
               <a:ext uri="{FF2B5EF4-FFF2-40B4-BE49-F238E27FC236}">
-                <a16:creationId xmlns:a16="http://schemas.microsoft.com/office/drawing/2014/main" id="{FC0AA790-A3F7-4457-95C2-F1B5190D2BD9}"/>
+                <a16:creationId xmlns:a16="http://schemas.microsoft.com/office/drawing/2014/main" xmlns="" id="{FC0AA790-A3F7-4457-95C2-F1B5190D2BD9}"/>
               </a:ext>
             </a:extLst>
           </p:cNvPr>
@@ -5031,7 +5031,7 @@
           <p:cNvPr id="4" name="Rectangle 3">
             <a:extLst>
               <a:ext uri="{FF2B5EF4-FFF2-40B4-BE49-F238E27FC236}">
-                <a16:creationId xmlns:a16="http://schemas.microsoft.com/office/drawing/2014/main" id="{276A26A1-DE1B-4682-8E9C-490C2C293AD3}"/>
+                <a16:creationId xmlns:a16="http://schemas.microsoft.com/office/drawing/2014/main" xmlns="" id="{276A26A1-DE1B-4682-8E9C-490C2C293AD3}"/>
               </a:ext>
             </a:extLst>
           </p:cNvPr>
@@ -5077,7 +5077,7 @@
           <p:cNvPr id="5" name="Oval 4">
             <a:extLst>
               <a:ext uri="{FF2B5EF4-FFF2-40B4-BE49-F238E27FC236}">
-                <a16:creationId xmlns:a16="http://schemas.microsoft.com/office/drawing/2014/main" id="{9B067B01-2F46-431F-B431-D9BD51FC2D9C}"/>
+                <a16:creationId xmlns:a16="http://schemas.microsoft.com/office/drawing/2014/main" xmlns="" id="{9B067B01-2F46-431F-B431-D9BD51FC2D9C}"/>
               </a:ext>
             </a:extLst>
           </p:cNvPr>
@@ -5133,7 +5133,7 @@
           <p:cNvPr id="6" name="Rectangle 5">
             <a:extLst>
               <a:ext uri="{FF2B5EF4-FFF2-40B4-BE49-F238E27FC236}">
-                <a16:creationId xmlns:a16="http://schemas.microsoft.com/office/drawing/2014/main" id="{183DF2B4-2DC9-486B-8AD1-0B7BE221B4AF}"/>
+                <a16:creationId xmlns:a16="http://schemas.microsoft.com/office/drawing/2014/main" xmlns="" id="{183DF2B4-2DC9-486B-8AD1-0B7BE221B4AF}"/>
               </a:ext>
             </a:extLst>
           </p:cNvPr>
@@ -5189,7 +5189,7 @@
           <p:cNvPr id="9" name="TextBox 8">
             <a:extLst>
               <a:ext uri="{FF2B5EF4-FFF2-40B4-BE49-F238E27FC236}">
-                <a16:creationId xmlns:a16="http://schemas.microsoft.com/office/drawing/2014/main" id="{2CFC0820-3A71-4351-9B34-6EB0426F854D}"/>
+                <a16:creationId xmlns:a16="http://schemas.microsoft.com/office/drawing/2014/main" xmlns="" id="{2CFC0820-3A71-4351-9B34-6EB0426F854D}"/>
               </a:ext>
             </a:extLst>
           </p:cNvPr>
@@ -5224,7 +5224,7 @@
           <p:cNvPr id="13" name="Straight Arrow Connector 12">
             <a:extLst>
               <a:ext uri="{FF2B5EF4-FFF2-40B4-BE49-F238E27FC236}">
-                <a16:creationId xmlns:a16="http://schemas.microsoft.com/office/drawing/2014/main" id="{2CD7C1FA-044F-4EB7-8C37-F439D623B439}"/>
+                <a16:creationId xmlns:a16="http://schemas.microsoft.com/office/drawing/2014/main" xmlns="" id="{2CD7C1FA-044F-4EB7-8C37-F439D623B439}"/>
               </a:ext>
             </a:extLst>
           </p:cNvPr>
@@ -5266,7 +5266,7 @@
           <p:cNvPr id="8" name="TextBox 7">
             <a:extLst>
               <a:ext uri="{FF2B5EF4-FFF2-40B4-BE49-F238E27FC236}">
-                <a16:creationId xmlns:a16="http://schemas.microsoft.com/office/drawing/2014/main" id="{07EEB711-2F13-4471-BA75-3E5480C0D02B}"/>
+                <a16:creationId xmlns:a16="http://schemas.microsoft.com/office/drawing/2014/main" xmlns="" id="{07EEB711-2F13-4471-BA75-3E5480C0D02B}"/>
               </a:ext>
             </a:extLst>
           </p:cNvPr>
@@ -5301,7 +5301,7 @@
           <p:cNvPr id="7" name="Straight Arrow Connector 6">
             <a:extLst>
               <a:ext uri="{FF2B5EF4-FFF2-40B4-BE49-F238E27FC236}">
-                <a16:creationId xmlns:a16="http://schemas.microsoft.com/office/drawing/2014/main" id="{721AAE72-E57A-4D66-99E1-98DEEFF94C7B}"/>
+                <a16:creationId xmlns:a16="http://schemas.microsoft.com/office/drawing/2014/main" xmlns="" id="{721AAE72-E57A-4D66-99E1-98DEEFF94C7B}"/>
               </a:ext>
             </a:extLst>
           </p:cNvPr>
@@ -5342,7 +5342,7 @@
           <p:cNvPr id="11" name="Straight Arrow Connector 10">
             <a:extLst>
               <a:ext uri="{FF2B5EF4-FFF2-40B4-BE49-F238E27FC236}">
-                <a16:creationId xmlns:a16="http://schemas.microsoft.com/office/drawing/2014/main" id="{B652795B-E90C-4106-AA45-54034E461B84}"/>
+                <a16:creationId xmlns:a16="http://schemas.microsoft.com/office/drawing/2014/main" xmlns="" id="{B652795B-E90C-4106-AA45-54034E461B84}"/>
               </a:ext>
             </a:extLst>
           </p:cNvPr>
@@ -5413,7 +5413,7 @@
           <p:cNvPr id="2" name="Title 1">
             <a:extLst>
               <a:ext uri="{FF2B5EF4-FFF2-40B4-BE49-F238E27FC236}">
-                <a16:creationId xmlns:a16="http://schemas.microsoft.com/office/drawing/2014/main" id="{90F48F61-72E4-4133-9F20-FD12C4CAF0D2}"/>
+                <a16:creationId xmlns:a16="http://schemas.microsoft.com/office/drawing/2014/main" xmlns="" id="{90F48F61-72E4-4133-9F20-FD12C4CAF0D2}"/>
               </a:ext>
             </a:extLst>
           </p:cNvPr>
@@ -5441,7 +5441,7 @@
           <p:cNvPr id="3" name="Content Placeholder 2">
             <a:extLst>
               <a:ext uri="{FF2B5EF4-FFF2-40B4-BE49-F238E27FC236}">
-                <a16:creationId xmlns:a16="http://schemas.microsoft.com/office/drawing/2014/main" id="{9A8F1E5E-4A87-4261-BA5E-F145BB46791C}"/>
+                <a16:creationId xmlns:a16="http://schemas.microsoft.com/office/drawing/2014/main" xmlns="" id="{9A8F1E5E-4A87-4261-BA5E-F145BB46791C}"/>
               </a:ext>
             </a:extLst>
           </p:cNvPr>
@@ -5531,7 +5531,7 @@
           <p:cNvPr id="2" name="Title 1">
             <a:extLst>
               <a:ext uri="{FF2B5EF4-FFF2-40B4-BE49-F238E27FC236}">
-                <a16:creationId xmlns:a16="http://schemas.microsoft.com/office/drawing/2014/main" id="{09C9F0CD-0F71-4ABC-9B09-C2A5E600B810}"/>
+                <a16:creationId xmlns:a16="http://schemas.microsoft.com/office/drawing/2014/main" xmlns="" id="{09C9F0CD-0F71-4ABC-9B09-C2A5E600B810}"/>
               </a:ext>
             </a:extLst>
           </p:cNvPr>
@@ -5566,7 +5566,7 @@
           <p:cNvPr id="5" name="Rectangle 4">
             <a:extLst>
               <a:ext uri="{FF2B5EF4-FFF2-40B4-BE49-F238E27FC236}">
-                <a16:creationId xmlns:a16="http://schemas.microsoft.com/office/drawing/2014/main" id="{346413EB-7EDD-4E6E-AC61-C2CC91222D79}"/>
+                <a16:creationId xmlns:a16="http://schemas.microsoft.com/office/drawing/2014/main" xmlns="" id="{346413EB-7EDD-4E6E-AC61-C2CC91222D79}"/>
               </a:ext>
             </a:extLst>
           </p:cNvPr>
@@ -5612,7 +5612,7 @@
           <p:cNvPr id="6" name="TextBox 5">
             <a:extLst>
               <a:ext uri="{FF2B5EF4-FFF2-40B4-BE49-F238E27FC236}">
-                <a16:creationId xmlns:a16="http://schemas.microsoft.com/office/drawing/2014/main" id="{AC853F11-2304-4BB9-8453-082E318CC820}"/>
+                <a16:creationId xmlns:a16="http://schemas.microsoft.com/office/drawing/2014/main" xmlns="" id="{AC853F11-2304-4BB9-8453-082E318CC820}"/>
               </a:ext>
             </a:extLst>
           </p:cNvPr>
@@ -5655,7 +5655,7 @@
           <p:cNvPr id="7" name="Right Brace 6">
             <a:extLst>
               <a:ext uri="{FF2B5EF4-FFF2-40B4-BE49-F238E27FC236}">
-                <a16:creationId xmlns:a16="http://schemas.microsoft.com/office/drawing/2014/main" id="{DF0D87F3-AECE-43FC-AD64-2CC0F754F6CC}"/>
+                <a16:creationId xmlns:a16="http://schemas.microsoft.com/office/drawing/2014/main" xmlns="" id="{DF0D87F3-AECE-43FC-AD64-2CC0F754F6CC}"/>
               </a:ext>
             </a:extLst>
           </p:cNvPr>
@@ -5699,7 +5699,7 @@
           <p:cNvPr id="8" name="TextBox 7">
             <a:extLst>
               <a:ext uri="{FF2B5EF4-FFF2-40B4-BE49-F238E27FC236}">
-                <a16:creationId xmlns:a16="http://schemas.microsoft.com/office/drawing/2014/main" id="{C7A64AF4-4643-497C-B86C-861881E80378}"/>
+                <a16:creationId xmlns:a16="http://schemas.microsoft.com/office/drawing/2014/main" xmlns="" id="{C7A64AF4-4643-497C-B86C-861881E80378}"/>
               </a:ext>
             </a:extLst>
           </p:cNvPr>
@@ -5734,7 +5734,7 @@
           <p:cNvPr id="9" name="TextBox 8">
             <a:extLst>
               <a:ext uri="{FF2B5EF4-FFF2-40B4-BE49-F238E27FC236}">
-                <a16:creationId xmlns:a16="http://schemas.microsoft.com/office/drawing/2014/main" id="{A6371065-8372-4073-9FE2-910A214298C2}"/>
+                <a16:creationId xmlns:a16="http://schemas.microsoft.com/office/drawing/2014/main" xmlns="" id="{A6371065-8372-4073-9FE2-910A214298C2}"/>
               </a:ext>
             </a:extLst>
           </p:cNvPr>
@@ -5769,7 +5769,7 @@
           <p:cNvPr id="11" name="Straight Arrow Connector 10">
             <a:extLst>
               <a:ext uri="{FF2B5EF4-FFF2-40B4-BE49-F238E27FC236}">
-                <a16:creationId xmlns:a16="http://schemas.microsoft.com/office/drawing/2014/main" id="{E61A27DD-A7CB-4EFA-8534-028D105C7669}"/>
+                <a16:creationId xmlns:a16="http://schemas.microsoft.com/office/drawing/2014/main" xmlns="" id="{E61A27DD-A7CB-4EFA-8534-028D105C7669}"/>
               </a:ext>
             </a:extLst>
           </p:cNvPr>
@@ -5808,7 +5808,7 @@
           <p:cNvPr id="12" name="TextBox 11">
             <a:extLst>
               <a:ext uri="{FF2B5EF4-FFF2-40B4-BE49-F238E27FC236}">
-                <a16:creationId xmlns:a16="http://schemas.microsoft.com/office/drawing/2014/main" id="{ADA40269-B4DE-468E-A51E-A1E29D47C77E}"/>
+                <a16:creationId xmlns:a16="http://schemas.microsoft.com/office/drawing/2014/main" xmlns="" id="{ADA40269-B4DE-468E-A51E-A1E29D47C77E}"/>
               </a:ext>
             </a:extLst>
           </p:cNvPr>
@@ -5843,7 +5843,7 @@
           <p:cNvPr id="14" name="Straight Arrow Connector 13">
             <a:extLst>
               <a:ext uri="{FF2B5EF4-FFF2-40B4-BE49-F238E27FC236}">
-                <a16:creationId xmlns:a16="http://schemas.microsoft.com/office/drawing/2014/main" id="{959EE8D2-4322-4B4B-816C-04BADB3871FC}"/>
+                <a16:creationId xmlns:a16="http://schemas.microsoft.com/office/drawing/2014/main" xmlns="" id="{959EE8D2-4322-4B4B-816C-04BADB3871FC}"/>
               </a:ext>
             </a:extLst>
           </p:cNvPr>
@@ -5882,7 +5882,7 @@
           <p:cNvPr id="15" name="Oval 14">
             <a:extLst>
               <a:ext uri="{FF2B5EF4-FFF2-40B4-BE49-F238E27FC236}">
-                <a16:creationId xmlns:a16="http://schemas.microsoft.com/office/drawing/2014/main" id="{CC8C00B3-BA8B-4C80-951C-C27B1CC33C2B}"/>
+                <a16:creationId xmlns:a16="http://schemas.microsoft.com/office/drawing/2014/main" xmlns="" id="{CC8C00B3-BA8B-4C80-951C-C27B1CC33C2B}"/>
               </a:ext>
             </a:extLst>
           </p:cNvPr>
@@ -5931,7 +5931,7 @@
           <p:cNvPr id="16" name="TextBox 15">
             <a:extLst>
               <a:ext uri="{FF2B5EF4-FFF2-40B4-BE49-F238E27FC236}">
-                <a16:creationId xmlns:a16="http://schemas.microsoft.com/office/drawing/2014/main" id="{1D8AEFEE-D336-4DF3-8604-F4BDCC6A5999}"/>
+                <a16:creationId xmlns:a16="http://schemas.microsoft.com/office/drawing/2014/main" xmlns="" id="{1D8AEFEE-D336-4DF3-8604-F4BDCC6A5999}"/>
               </a:ext>
             </a:extLst>
           </p:cNvPr>
@@ -5966,7 +5966,7 @@
           <p:cNvPr id="17" name="TextBox 16">
             <a:extLst>
               <a:ext uri="{FF2B5EF4-FFF2-40B4-BE49-F238E27FC236}">
-                <a16:creationId xmlns:a16="http://schemas.microsoft.com/office/drawing/2014/main" id="{33EF9673-D374-45AF-B2D3-43DE31A027AD}"/>
+                <a16:creationId xmlns:a16="http://schemas.microsoft.com/office/drawing/2014/main" xmlns="" id="{33EF9673-D374-45AF-B2D3-43DE31A027AD}"/>
               </a:ext>
             </a:extLst>
           </p:cNvPr>
@@ -6039,7 +6039,7 @@
           <p:cNvPr id="18" name="TextBox 17">
             <a:extLst>
               <a:ext uri="{FF2B5EF4-FFF2-40B4-BE49-F238E27FC236}">
-                <a16:creationId xmlns:a16="http://schemas.microsoft.com/office/drawing/2014/main" id="{6015DDA9-ABE3-4102-B957-CEC0D8B970DE}"/>
+                <a16:creationId xmlns:a16="http://schemas.microsoft.com/office/drawing/2014/main" xmlns="" id="{6015DDA9-ABE3-4102-B957-CEC0D8B970DE}"/>
               </a:ext>
             </a:extLst>
           </p:cNvPr>
@@ -6074,7 +6074,7 @@
           <p:cNvPr id="19" name="Oval 18">
             <a:extLst>
               <a:ext uri="{FF2B5EF4-FFF2-40B4-BE49-F238E27FC236}">
-                <a16:creationId xmlns:a16="http://schemas.microsoft.com/office/drawing/2014/main" id="{FAFAD99C-B370-47CA-A7D4-022C79E6CE82}"/>
+                <a16:creationId xmlns:a16="http://schemas.microsoft.com/office/drawing/2014/main" xmlns="" id="{FAFAD99C-B370-47CA-A7D4-022C79E6CE82}"/>
               </a:ext>
             </a:extLst>
           </p:cNvPr>
@@ -6123,7 +6123,7 @@
           <p:cNvPr id="20" name="Oval 19">
             <a:extLst>
               <a:ext uri="{FF2B5EF4-FFF2-40B4-BE49-F238E27FC236}">
-                <a16:creationId xmlns:a16="http://schemas.microsoft.com/office/drawing/2014/main" id="{74623DEE-4CE8-4922-8896-0BD9E025F9AD}"/>
+                <a16:creationId xmlns:a16="http://schemas.microsoft.com/office/drawing/2014/main" xmlns="" id="{74623DEE-4CE8-4922-8896-0BD9E025F9AD}"/>
               </a:ext>
             </a:extLst>
           </p:cNvPr>
@@ -6202,7 +6202,7 @@
           <p:cNvPr id="2" name="Title 1">
             <a:extLst>
               <a:ext uri="{FF2B5EF4-FFF2-40B4-BE49-F238E27FC236}">
-                <a16:creationId xmlns:a16="http://schemas.microsoft.com/office/drawing/2014/main" id="{715E4541-AB47-4F2C-B16B-32CB9DB2F8A2}"/>
+                <a16:creationId xmlns:a16="http://schemas.microsoft.com/office/drawing/2014/main" xmlns="" id="{715E4541-AB47-4F2C-B16B-32CB9DB2F8A2}"/>
               </a:ext>
             </a:extLst>
           </p:cNvPr>
@@ -6230,7 +6230,7 @@
           <p:cNvPr id="3" name="Content Placeholder 2">
             <a:extLst>
               <a:ext uri="{FF2B5EF4-FFF2-40B4-BE49-F238E27FC236}">
-                <a16:creationId xmlns:a16="http://schemas.microsoft.com/office/drawing/2014/main" id="{01D54F4F-D7C6-42CD-8942-CE80AA011EF3}"/>
+                <a16:creationId xmlns:a16="http://schemas.microsoft.com/office/drawing/2014/main" xmlns="" id="{01D54F4F-D7C6-42CD-8942-CE80AA011EF3}"/>
               </a:ext>
             </a:extLst>
           </p:cNvPr>
@@ -6294,7 +6294,7 @@
           <p:cNvPr id="2" name="Title 1">
             <a:extLst>
               <a:ext uri="{FF2B5EF4-FFF2-40B4-BE49-F238E27FC236}">
-                <a16:creationId xmlns:a16="http://schemas.microsoft.com/office/drawing/2014/main" id="{BCE60553-03FB-499B-A27F-FB0366C8152B}"/>
+                <a16:creationId xmlns:a16="http://schemas.microsoft.com/office/drawing/2014/main" xmlns="" id="{BCE60553-03FB-499B-A27F-FB0366C8152B}"/>
               </a:ext>
             </a:extLst>
           </p:cNvPr>
@@ -6322,7 +6322,7 @@
           <p:cNvPr id="1026" name="Picture 2" descr="Method Overloading in Java - Javatpoint">
             <a:extLst>
               <a:ext uri="{FF2B5EF4-FFF2-40B4-BE49-F238E27FC236}">
-                <a16:creationId xmlns:a16="http://schemas.microsoft.com/office/drawing/2014/main" id="{7AD53272-CE22-4737-AE44-8E99C1D4F100}"/>
+                <a16:creationId xmlns:a16="http://schemas.microsoft.com/office/drawing/2014/main" xmlns="" id="{7AD53272-CE22-4737-AE44-8E99C1D4F100}"/>
               </a:ext>
             </a:extLst>
           </p:cNvPr>
